--- a/3_semestr/Bank_Structure/ЗБ-ПИ19-2_Малкеров.Г.А_Национальная_платежная_система_России.pptx
+++ b/3_semestr/Bank_Structure/ЗБ-ПИ19-2_Малкеров.Г.А_Национальная_платежная_система_России.pptx
@@ -6840,7 +6840,7 @@
         </p:nvSpPr>
         <p:spPr>
           <a:xfrm>
-            <a:off x="1905021" y="112969"/>
+            <a:off x="1690855" y="169183"/>
             <a:ext cx="5333957" cy="1169551"/>
           </a:xfrm>
           <a:prstGeom prst="rect">
